--- a/kafka Monitoring Tool.pptx
+++ b/kafka Monitoring Tool.pptx
@@ -5,7 +5,7 @@
     <p:sldMasterId id="2147483732" r:id="rId1"/>
   </p:sldMasterIdLst>
   <p:notesMasterIdLst>
-    <p:notesMasterId r:id="rId14"/>
+    <p:notesMasterId r:id="rId15"/>
   </p:notesMasterIdLst>
   <p:sldIdLst>
     <p:sldId id="257" r:id="rId2"/>
@@ -19,7 +19,8 @@
     <p:sldId id="267" r:id="rId10"/>
     <p:sldId id="269" r:id="rId11"/>
     <p:sldId id="270" r:id="rId12"/>
-    <p:sldId id="271" r:id="rId13"/>
+    <p:sldId id="272" r:id="rId13"/>
+    <p:sldId id="271" r:id="rId14"/>
   </p:sldIdLst>
   <p:sldSz cx="9144000" cy="6858000" type="screen4x3"/>
   <p:notesSz cx="6858000" cy="9144000"/>
@@ -203,6 +204,7 @@
           <a:p>
             <a:fld id="{CD66DF02-FCD6-4BD7-8BF0-670D469B6151}" type="datetimeFigureOut">
               <a:rPr lang="en-US" smtClean="0"/>
+              <a:pPr/>
               <a:t>3/9/2019</a:t>
             </a:fld>
             <a:endParaRPr lang="en-US"/>
@@ -364,6 +366,7 @@
           <a:p>
             <a:fld id="{C4868D85-6531-45B6-9589-B49A0537970C}" type="slidenum">
               <a:rPr lang="en-US" smtClean="0"/>
+              <a:pPr/>
               <a:t>‹#›</a:t>
             </a:fld>
             <a:endParaRPr lang="en-US"/>
@@ -560,6 +563,7 @@
           <a:p>
             <a:fld id="{C4868D85-6531-45B6-9589-B49A0537970C}" type="slidenum">
               <a:rPr lang="en-US" smtClean="0"/>
+              <a:pPr/>
               <a:t>4</a:t>
             </a:fld>
             <a:endParaRPr lang="en-US"/>
@@ -668,6 +672,7 @@
           <a:p>
             <a:fld id="{C4868D85-6531-45B6-9589-B49A0537970C}" type="slidenum">
               <a:rPr lang="en-US" smtClean="0"/>
+              <a:pPr/>
               <a:t>5</a:t>
             </a:fld>
             <a:endParaRPr lang="en-US"/>
@@ -764,6 +769,7 @@
           <a:p>
             <a:fld id="{C4868D85-6531-45B6-9589-B49A0537970C}" type="slidenum">
               <a:rPr lang="en-US" smtClean="0"/>
+              <a:pPr/>
               <a:t>6</a:t>
             </a:fld>
             <a:endParaRPr lang="en-US"/>
@@ -4847,16 +4853,61 @@
             <p:ph type="title"/>
           </p:nvPr>
         </p:nvSpPr>
-        <p:spPr/>
+        <p:spPr>
+          <a:xfrm rot="20264711">
+            <a:off x="1235897" y="1769287"/>
+            <a:ext cx="7562088" cy="1173162"/>
+          </a:xfrm>
+        </p:spPr>
         <p:txBody>
           <a:bodyPr/>
           <a:lstStyle/>
           <a:p>
             <a:r>
-              <a:rPr lang="en-US" dirty="0" smtClean="0"/>
+              <a:rPr lang="en-US" b="1" i="1" dirty="0" smtClean="0"/>
               <a:t>Kafka Monitoring System</a:t>
             </a:r>
-            <a:endParaRPr lang="en-US" dirty="0"/>
+            <a:endParaRPr lang="en-US" b="1" i="1" dirty="0"/>
+          </a:p>
+        </p:txBody>
+      </p:sp>
+      <p:sp>
+        <p:nvSpPr>
+          <p:cNvPr id="3" name="Content Placeholder 2"/>
+          <p:cNvSpPr>
+            <a:spLocks noGrp="1"/>
+          </p:cNvSpPr>
+          <p:nvPr>
+            <p:ph idx="1"/>
+          </p:nvPr>
+        </p:nvSpPr>
+        <p:spPr>
+          <a:xfrm>
+            <a:off x="6400800" y="4800600"/>
+            <a:ext cx="2532888" cy="1447800"/>
+          </a:xfrm>
+        </p:spPr>
+        <p:txBody>
+          <a:bodyPr/>
+          <a:lstStyle/>
+          <a:p>
+            <a:pPr>
+              <a:buNone/>
+            </a:pPr>
+            <a:r>
+              <a:rPr lang="en-US" b="1" u="sng" dirty="0" smtClean="0"/>
+              <a:t>Team</a:t>
+            </a:r>
+          </a:p>
+          <a:p>
+            <a:pPr>
+              <a:buNone/>
+            </a:pPr>
+            <a:r>
+              <a:rPr lang="en-US" b="1" u="sng" dirty="0" smtClean="0"/>
+              <a:t>405 Found</a:t>
+            </a:r>
+            <a:endParaRPr lang="en-US" b="1" u="sng" dirty="0"/>
           </a:p>
         </p:txBody>
       </p:sp>
@@ -4865,6 +4916,13 @@
   <p:clrMapOvr>
     <a:masterClrMapping/>
   </p:clrMapOvr>
+  <p:timing>
+    <p:tnLst>
+      <p:par>
+        <p:cTn id="1" dur="indefinite" restart="never" nodeType="tmRoot"/>
+      </p:par>
+    </p:tnLst>
+  </p:timing>
 </p:sld>
 </file>
 
@@ -4941,6 +4999,13 @@
   <p:clrMapOvr>
     <a:masterClrMapping/>
   </p:clrMapOvr>
+  <p:timing>
+    <p:tnLst>
+      <p:par>
+        <p:cTn id="1" dur="indefinite" restart="never" nodeType="tmRoot"/>
+      </p:par>
+    </p:tnLst>
+  </p:timing>
 </p:sld>
 </file>
 
@@ -5012,10 +5077,103 @@
   <p:clrMapOvr>
     <a:masterClrMapping/>
   </p:clrMapOvr>
+  <p:timing>
+    <p:tnLst>
+      <p:par>
+        <p:cTn id="1" dur="indefinite" restart="never" nodeType="tmRoot"/>
+      </p:par>
+    </p:tnLst>
+  </p:timing>
 </p:sld>
 </file>
 
 <file path=ppt/slides/slide12.xml><?xml version="1.0" encoding="utf-8"?>
+<p:sld xmlns:a="http://schemas.openxmlformats.org/drawingml/2006/main" xmlns:r="http://schemas.openxmlformats.org/officeDocument/2006/relationships" xmlns:p="http://schemas.openxmlformats.org/presentationml/2006/main">
+  <p:cSld>
+    <p:spTree>
+      <p:nvGrpSpPr>
+        <p:cNvPr id="1" name=""/>
+        <p:cNvGrpSpPr/>
+        <p:nvPr/>
+      </p:nvGrpSpPr>
+      <p:grpSpPr>
+        <a:xfrm>
+          <a:off x="0" y="0"/>
+          <a:ext cx="0" cy="0"/>
+          <a:chOff x="0" y="0"/>
+          <a:chExt cx="0" cy="0"/>
+        </a:xfrm>
+      </p:grpSpPr>
+      <p:sp>
+        <p:nvSpPr>
+          <p:cNvPr id="2" name="Title 1"/>
+          <p:cNvSpPr>
+            <a:spLocks noGrp="1"/>
+          </p:cNvSpPr>
+          <p:nvPr>
+            <p:ph type="title"/>
+          </p:nvPr>
+        </p:nvSpPr>
+        <p:spPr/>
+        <p:txBody>
+          <a:bodyPr/>
+          <a:lstStyle/>
+          <a:p>
+            <a:r>
+              <a:rPr lang="en-US" dirty="0" smtClean="0"/>
+              <a:t>Future Enhancements</a:t>
+            </a:r>
+            <a:endParaRPr lang="en-US" dirty="0"/>
+          </a:p>
+        </p:txBody>
+      </p:sp>
+      <p:sp>
+        <p:nvSpPr>
+          <p:cNvPr id="3" name="Content Placeholder 2"/>
+          <p:cNvSpPr>
+            <a:spLocks noGrp="1"/>
+          </p:cNvSpPr>
+          <p:nvPr>
+            <p:ph idx="1"/>
+          </p:nvPr>
+        </p:nvSpPr>
+        <p:spPr/>
+        <p:txBody>
+          <a:bodyPr/>
+          <a:lstStyle/>
+          <a:p>
+            <a:r>
+              <a:rPr lang="en-US" dirty="0" smtClean="0"/>
+              <a:t>Alert Management</a:t>
+            </a:r>
+          </a:p>
+          <a:p>
+            <a:r>
+              <a:rPr lang="en-US" dirty="0" smtClean="0"/>
+              <a:t>Broker Level Metrics Visualization</a:t>
+            </a:r>
+          </a:p>
+          <a:p>
+            <a:endParaRPr lang="en-US" dirty="0"/>
+          </a:p>
+        </p:txBody>
+      </p:sp>
+    </p:spTree>
+  </p:cSld>
+  <p:clrMapOvr>
+    <a:masterClrMapping/>
+  </p:clrMapOvr>
+  <p:timing>
+    <p:tnLst>
+      <p:par>
+        <p:cTn id="1" dur="indefinite" restart="never" nodeType="tmRoot"/>
+      </p:par>
+    </p:tnLst>
+  </p:timing>
+</p:sld>
+</file>
+
+<file path=ppt/slides/slide13.xml><?xml version="1.0" encoding="utf-8"?>
 <p:sld xmlns:a="http://schemas.openxmlformats.org/drawingml/2006/main" xmlns:r="http://schemas.openxmlformats.org/officeDocument/2006/relationships" xmlns:p="http://schemas.openxmlformats.org/presentationml/2006/main">
   <p:cSld>
     <p:spTree>
@@ -5062,6 +5220,13 @@
   <p:clrMapOvr>
     <a:masterClrMapping/>
   </p:clrMapOvr>
+  <p:timing>
+    <p:tnLst>
+      <p:par>
+        <p:cTn id="1" dur="indefinite" restart="never" nodeType="tmRoot"/>
+      </p:par>
+    </p:tnLst>
+  </p:timing>
 </p:sld>
 </file>
 
@@ -5147,6 +5312,13 @@
   <p:clrMapOvr>
     <a:masterClrMapping/>
   </p:clrMapOvr>
+  <p:timing>
+    <p:tnLst>
+      <p:par>
+        <p:cTn id="1" dur="indefinite" restart="never" nodeType="tmRoot"/>
+      </p:par>
+    </p:tnLst>
+  </p:timing>
 </p:sld>
 </file>
 
@@ -5287,21 +5459,8 @@
           <a:p>
             <a:r>
               <a:rPr lang="en-US" dirty="0" smtClean="0"/>
-              <a:t> KafkaMetricsExporter and JMX Exporter will collect </a:t>
-            </a:r>
-            <a:r>
-              <a:rPr lang="en-US" dirty="0" smtClean="0"/>
-              <a:t>broker </a:t>
-            </a:r>
-            <a:r>
-              <a:rPr lang="en-US" dirty="0" smtClean="0"/>
-              <a:t>metrics from Kafka </a:t>
-            </a:r>
-            <a:r>
-              <a:rPr lang="en-US" dirty="0" smtClean="0"/>
-              <a:t>cluster.</a:t>
-            </a:r>
-            <a:endParaRPr lang="en-US" dirty="0" smtClean="0"/>
+              <a:t> KafkaMetricsExporter and JMX Exporter will collect broker metrics from Kafka cluster.</a:t>
+            </a:r>
           </a:p>
           <a:p>
             <a:r>
@@ -5599,6 +5758,13 @@
   <p:clrMapOvr>
     <a:masterClrMapping/>
   </p:clrMapOvr>
+  <p:timing>
+    <p:tnLst>
+      <p:par>
+        <p:cTn id="1" dur="indefinite" restart="never" nodeType="tmRoot"/>
+      </p:par>
+    </p:tnLst>
+  </p:timing>
 </p:sld>
 </file>
 
@@ -5670,6 +5836,13 @@
   <p:clrMapOvr>
     <a:masterClrMapping/>
   </p:clrMapOvr>
+  <p:timing>
+    <p:tnLst>
+      <p:par>
+        <p:cTn id="1" dur="indefinite" restart="never" nodeType="tmRoot"/>
+      </p:par>
+    </p:tnLst>
+  </p:timing>
 </p:sld>
 </file>
 
@@ -5760,23 +5933,7 @@
           <a:p>
             <a:r>
               <a:rPr lang="en-US" dirty="0" smtClean="0"/>
-              <a:t>Topic dashboard </a:t>
-            </a:r>
-            <a:r>
-              <a:rPr lang="en-US" dirty="0" smtClean="0"/>
-              <a:t>allows us to visualize Producer/consumer offset and </a:t>
-            </a:r>
-            <a:r>
-              <a:rPr lang="en-US" dirty="0" smtClean="0"/>
-              <a:t>lag with various visualization options filtered </a:t>
-            </a:r>
-            <a:r>
-              <a:rPr lang="en-US" dirty="0" smtClean="0"/>
-              <a:t>by </a:t>
-            </a:r>
-            <a:r>
-              <a:rPr lang="en-US" dirty="0" smtClean="0"/>
-              <a:t>topic.</a:t>
+              <a:t>Topic dashboard allows us to visualize Producer/consumer offset and lag with various visualization options filtered by topic.</a:t>
             </a:r>
             <a:endParaRPr lang="en-US" dirty="0"/>
           </a:p>
@@ -5787,6 +5944,13 @@
   <p:clrMapOvr>
     <a:masterClrMapping/>
   </p:clrMapOvr>
+  <p:timing>
+    <p:tnLst>
+      <p:par>
+        <p:cTn id="1" dur="indefinite" restart="never" nodeType="tmRoot"/>
+      </p:par>
+    </p:tnLst>
+  </p:timing>
 </p:sld>
 </file>
 
